--- a/ShapeCrawler.UnitTests/Resource/009_table.pptx
+++ b/ShapeCrawler.UnitTests/Resource/009_table.pptx
@@ -119,7 +119,7 @@
 <file path=ppt/charts/chart1.xml><?xml version="1.0" encoding="utf-8"?>
 <c:chartSpace xmlns:c="http://schemas.openxmlformats.org/drawingml/2006/chart" xmlns:a="http://schemas.openxmlformats.org/drawingml/2006/main" xmlns:r="http://schemas.openxmlformats.org/officeDocument/2006/relationships" xmlns:c16r2="http://schemas.microsoft.com/office/drawing/2015/06/chart">
   <c:date1904 val="0"/>
-  <c:lang val="en-US"/>
+  <c:lang val="de-DE"/>
   <c:roundedCorners val="0"/>
   <mc:AlternateContent xmlns:mc="http://schemas.openxmlformats.org/markup-compatibility/2006">
     <mc:Choice xmlns:c14="http://schemas.microsoft.com/office/drawing/2007/8/2/chart" Requires="c14">
@@ -576,7 +576,7 @@
 <file path=ppt/charts/chart2.xml><?xml version="1.0" encoding="utf-8"?>
 <c:chartSpace xmlns:c="http://schemas.openxmlformats.org/drawingml/2006/chart" xmlns:a="http://schemas.openxmlformats.org/drawingml/2006/main" xmlns:r="http://schemas.openxmlformats.org/officeDocument/2006/relationships" xmlns:c16r2="http://schemas.microsoft.com/office/drawing/2015/06/chart">
   <c:date1904 val="0"/>
-  <c:lang val="en-US"/>
+  <c:lang val="de-DE"/>
   <c:roundedCorners val="0"/>
   <mc:AlternateContent xmlns:mc="http://schemas.openxmlformats.org/markup-compatibility/2006">
     <mc:Choice xmlns:c14="http://schemas.microsoft.com/office/drawing/2007/8/2/chart" Requires="c14">
@@ -850,7 +850,7 @@
 <file path=ppt/charts/chart3.xml><?xml version="1.0" encoding="utf-8"?>
 <c:chartSpace xmlns:c="http://schemas.openxmlformats.org/drawingml/2006/chart" xmlns:a="http://schemas.openxmlformats.org/drawingml/2006/main" xmlns:r="http://schemas.openxmlformats.org/officeDocument/2006/relationships" xmlns:c16r2="http://schemas.microsoft.com/office/drawing/2015/06/chart">
   <c:date1904 val="0"/>
-  <c:lang val="en-US"/>
+  <c:lang val="de-DE"/>
   <c:roundedCorners val="0"/>
   <mc:AlternateContent xmlns:mc="http://schemas.openxmlformats.org/markup-compatibility/2006">
     <mc:Choice xmlns:c14="http://schemas.microsoft.com/office/drawing/2007/8/2/chart" Requires="c14">
@@ -1151,7 +1151,7 @@
 <file path=ppt/charts/chart4.xml><?xml version="1.0" encoding="utf-8"?>
 <c:chartSpace xmlns:c="http://schemas.openxmlformats.org/drawingml/2006/chart" xmlns:a="http://schemas.openxmlformats.org/drawingml/2006/main" xmlns:r="http://schemas.openxmlformats.org/officeDocument/2006/relationships" xmlns:c16r2="http://schemas.microsoft.com/office/drawing/2015/06/chart">
   <c:date1904 val="0"/>
-  <c:lang val="en-US"/>
+  <c:lang val="de-DE"/>
   <c:roundedCorners val="0"/>
   <mc:AlternateContent xmlns:mc="http://schemas.openxmlformats.org/markup-compatibility/2006">
     <mc:Choice xmlns:c14="http://schemas.microsoft.com/office/drawing/2007/8/2/chart" Requires="c14">
@@ -1453,7 +1453,7 @@
 <file path=ppt/charts/chart5.xml><?xml version="1.0" encoding="utf-8"?>
 <c:chartSpace xmlns:c="http://schemas.openxmlformats.org/drawingml/2006/chart" xmlns:a="http://schemas.openxmlformats.org/drawingml/2006/main" xmlns:r="http://schemas.openxmlformats.org/officeDocument/2006/relationships" xmlns:c16r2="http://schemas.microsoft.com/office/drawing/2015/06/chart">
   <c:date1904 val="0"/>
-  <c:lang val="en-US"/>
+  <c:lang val="de-DE"/>
   <c:roundedCorners val="0"/>
   <mc:AlternateContent xmlns:mc="http://schemas.openxmlformats.org/markup-compatibility/2006">
     <mc:Choice xmlns:c14="http://schemas.microsoft.com/office/drawing/2007/8/2/chart" Requires="c14">
@@ -1755,7 +1755,7 @@
 <file path=ppt/charts/chart6.xml><?xml version="1.0" encoding="utf-8"?>
 <c:chartSpace xmlns:c="http://schemas.openxmlformats.org/drawingml/2006/chart" xmlns:a="http://schemas.openxmlformats.org/drawingml/2006/main" xmlns:r="http://schemas.openxmlformats.org/officeDocument/2006/relationships" xmlns:c16r2="http://schemas.microsoft.com/office/drawing/2015/06/chart">
   <c:date1904 val="0"/>
-  <c:lang val="en-US"/>
+  <c:lang val="de-DE"/>
   <c:roundedCorners val="0"/>
   <mc:AlternateContent xmlns:mc="http://schemas.openxmlformats.org/markup-compatibility/2006">
     <mc:Choice xmlns:c14="http://schemas.microsoft.com/office/drawing/2007/8/2/chart" Requires="c14">
@@ -8013,7 +8013,7 @@
       </p:grpSpPr>
       <p:grpSp>
         <p:nvGrpSpPr>
-          <p:cNvPr id="7" name="Группа 6">
+          <p:cNvPr id="7" name="Group 1">
             <a:extLst>
               <a:ext uri="{FF2B5EF4-FFF2-40B4-BE49-F238E27FC236}">
                 <a16:creationId xmlns:a16="http://schemas.microsoft.com/office/drawing/2014/main" id="{992097A3-9F6C-4062-8D54-7D9E77452DA3}"/>
@@ -8033,7 +8033,7 @@
         </p:grpSpPr>
         <p:sp>
           <p:nvSpPr>
-            <p:cNvPr id="4" name="Прямоугольник 3">
+            <p:cNvPr id="4" name="Shape 1">
               <a:extLst>
                 <a:ext uri="{FF2B5EF4-FFF2-40B4-BE49-F238E27FC236}">
                   <a16:creationId xmlns:a16="http://schemas.microsoft.com/office/drawing/2014/main" id="{D08A26D5-2766-499F-B702-9BE796F6A225}"/>
@@ -8197,7 +8197,7 @@
           <p:nvPr/>
         </p:nvPicPr>
         <p:blipFill>
-          <a:blip r:embed="rId2">
+          <a:blip r:embed="rId3">
             <a:extLst>
               <a:ext uri="{28A0092B-C50C-407E-A947-70E740481C1C}">
                 <a14:useLocalDpi xmlns:a14="http://schemas.microsoft.com/office/drawing/2010/main" val="0"/>
@@ -8246,12 +8246,12 @@
           <a:graphicData uri="http://schemas.openxmlformats.org/presentationml/2006/ole">
             <mc:AlternateContent xmlns:mc="http://schemas.openxmlformats.org/markup-compatibility/2006">
               <mc:Choice xmlns:v="urn:schemas-microsoft-com:vml" Requires="v">
-                <p:oleObj name="Document" r:id="rId3" imgW="5940848" imgH="323743" progId="Word.Document.12">
+                <p:oleObj spid="_x0000_s1026" name="Document" r:id="rId4" imgW="5940848" imgH="323743" progId="Word.Document.12">
                   <p:embed/>
                 </p:oleObj>
               </mc:Choice>
               <mc:Fallback>
-                <p:oleObj name="Document" r:id="rId3" imgW="5940848" imgH="323743" progId="Word.Document.12">
+                <p:oleObj name="Document" r:id="rId4" imgW="5940848" imgH="323743" progId="Word.Document.12">
                   <p:embed/>
                   <p:pic>
                     <p:nvPicPr>
@@ -8262,7 +8262,7 @@
                       <p:nvPr/>
                     </p:nvPicPr>
                     <p:blipFill>
-                      <a:blip r:embed="rId4">
+                      <a:blip r:embed="rId5">
                         <a:extLst>
                           <a:ext uri="{28A0092B-C50C-407E-A947-70E740481C1C}">
                             <a14:useLocalDpi xmlns:a14="http://schemas.microsoft.com/office/drawing/2010/main" val="0"/>
@@ -8351,12 +8351,12 @@
           <a:graphicData uri="http://schemas.openxmlformats.org/presentationml/2006/ole">
             <mc:AlternateContent xmlns:mc="http://schemas.openxmlformats.org/markup-compatibility/2006">
               <mc:Choice xmlns:v="urn:schemas-microsoft-com:vml" Requires="v">
-                <p:oleObj name="Packager Shell Object" showAsIcon="1" r:id="rId5" imgW="485640" imgH="372960" progId="Package">
+                <p:oleObj spid="_x0000_s1027" name="Packager Shell Object" showAsIcon="1" r:id="rId6" imgW="485640" imgH="372960" progId="Package">
                   <p:embed/>
                 </p:oleObj>
               </mc:Choice>
               <mc:Fallback>
-                <p:oleObj name="Packager Shell Object" showAsIcon="1" r:id="rId5" imgW="485640" imgH="372960" progId="Package">
+                <p:oleObj name="Packager Shell Object" showAsIcon="1" r:id="rId6" imgW="485640" imgH="372960" progId="Package">
                   <p:embed/>
                   <p:pic>
                     <p:nvPicPr>
@@ -8371,7 +8371,7 @@
                       <p:nvPr/>
                     </p:nvPicPr>
                     <p:blipFill>
-                      <a:blip r:embed="rId6"/>
+                      <a:blip r:embed="rId7"/>
                       <a:stretch>
                         <a:fillRect/>
                       </a:stretch>
